--- a/Query_Writing/02_Working_with_Data_Types.pptx
+++ b/Query_Writing/02_Working_with_Data_Types.pptx
@@ -165,14 +165,6 @@
     </p:ext>
   </p:extLst>
 </p:presentation>
-</file>
-
-<file path=ppt/revisionInfo.xml><?xml version="1.0" encoding="utf-8"?>
-<p1510:revInfo xmlns:a="http://schemas.openxmlformats.org/drawingml/2006/main" xmlns:r="http://schemas.openxmlformats.org/officeDocument/2006/relationships" xmlns:p1510="http://schemas.microsoft.com/office/powerpoint/2015/10/main">
-  <p1510:revLst>
-    <p1510:client id="{D02D25DB-B4A0-4200-B451-FD90CB6A7360}" v="300" dt="2020-10-25T14:21:32.716"/>
-  </p1510:revLst>
-</p1510:revInfo>
 </file>
 
 <file path=ppt/diagrams/colors1.xml><?xml version="1.0" encoding="utf-8"?>
@@ -10168,7 +10160,7 @@
           <a:p>
             <a:fld id="{CFBA6064-FDE0-48E8-9405-22609F48ED19}" type="datetimeFigureOut">
               <a:rPr lang="en-US" smtClean="0"/>
-              <a:t>10/25/2020</a:t>
+              <a:t>11/3/2020</a:t>
             </a:fld>
             <a:endParaRPr lang="en-US"/>
           </a:p>
@@ -10685,7 +10677,14 @@
           <a:prstGeom prst="rect">
             <a:avLst/>
           </a:prstGeom>
-          <a:noFill/>
+          <a:solidFill>
+            <a:schemeClr val="tx1"/>
+          </a:solidFill>
+          <a:ln>
+            <a:solidFill>
+              <a:schemeClr val="tx1"/>
+            </a:solidFill>
+          </a:ln>
         </p:spPr>
         <p:txBody>
           <a:bodyPr lIns="146304" tIns="91440" rIns="146304" bIns="91440" anchor="t" anchorCtr="0"/>
@@ -10772,7 +10771,14 @@
           <a:prstGeom prst="rect">
             <a:avLst/>
           </a:prstGeom>
-          <a:noFill/>
+          <a:solidFill>
+            <a:schemeClr val="tx1"/>
+          </a:solidFill>
+          <a:ln>
+            <a:solidFill>
+              <a:schemeClr val="tx1"/>
+            </a:solidFill>
+          </a:ln>
         </p:spPr>
         <p:txBody>
           <a:bodyPr lIns="146284" tIns="91427" rIns="146284" bIns="91427" anchor="t" anchorCtr="0"/>
@@ -10837,11 +10843,11 @@
             <a:avLst/>
           </a:prstGeom>
           <a:solidFill>
-            <a:srgbClr val="080808"/>
+            <a:schemeClr val="tx1"/>
           </a:solidFill>
           <a:ln>
             <a:solidFill>
-              <a:srgbClr val="080808"/>
+              <a:schemeClr val="tx1"/>
             </a:solidFill>
           </a:ln>
         </p:spPr>
@@ -10891,11 +10897,11 @@
             <a:avLst/>
           </a:prstGeom>
           <a:solidFill>
-            <a:srgbClr val="080808"/>
+            <a:schemeClr val="tx1"/>
           </a:solidFill>
           <a:ln>
             <a:solidFill>
-              <a:srgbClr val="080808"/>
+              <a:schemeClr val="tx1"/>
             </a:solidFill>
           </a:ln>
         </p:spPr>
@@ -10945,11 +10951,11 @@
             <a:avLst/>
           </a:prstGeom>
           <a:solidFill>
-            <a:srgbClr val="080808"/>
+            <a:schemeClr val="tx1"/>
           </a:solidFill>
           <a:ln>
             <a:solidFill>
-              <a:srgbClr val="080808"/>
+              <a:schemeClr val="tx1"/>
             </a:solidFill>
           </a:ln>
         </p:spPr>
@@ -11933,8 +11939,8 @@
         </p:nvSpPr>
         <p:spPr>
           <a:xfrm>
-            <a:off x="390016" y="3867150"/>
-            <a:ext cx="6275640" cy="1792850"/>
+            <a:off x="650074" y="4169153"/>
+            <a:ext cx="3913536" cy="1792850"/>
           </a:xfrm>
         </p:spPr>
         <p:txBody>
